--- a/2DGP_2nd_ppt.pptx
+++ b/2DGP_2nd_ppt.pptx
@@ -652,6 +652,106 @@
     <p:extLst>
       <p:ext uri="{BB962C8B-B14F-4D97-AF65-F5344CB8AC3E}">
         <p14:creationId xmlns:p14="http://schemas.microsoft.com/office/powerpoint/2010/main" val="1647477312"/>
+      </p:ext>
+    </p:extLst>
+  </p:cSld>
+  <p:clrMapOvr>
+    <a:masterClrMapping/>
+  </p:clrMapOvr>
+</p:notes>
+</file>
+
+<file path=ppt/notesSlides/notesSlide3.xml><?xml version="1.0" encoding="utf-8"?>
+<p:notes xmlns:a="http://schemas.openxmlformats.org/drawingml/2006/main" xmlns:r="http://schemas.openxmlformats.org/officeDocument/2006/relationships" xmlns:p="http://schemas.openxmlformats.org/presentationml/2006/main">
+  <p:cSld>
+    <p:spTree>
+      <p:nvGrpSpPr>
+        <p:cNvPr id="1" name=""/>
+        <p:cNvGrpSpPr/>
+        <p:nvPr/>
+      </p:nvGrpSpPr>
+      <p:grpSpPr>
+        <a:xfrm>
+          <a:off x="0" y="0"/>
+          <a:ext cx="0" cy="0"/>
+          <a:chOff x="0" y="0"/>
+          <a:chExt cx="0" cy="0"/>
+        </a:xfrm>
+      </p:grpSpPr>
+      <p:sp>
+        <p:nvSpPr>
+          <p:cNvPr id="2" name="슬라이드 이미지 개체 틀 1"/>
+          <p:cNvSpPr>
+            <a:spLocks noGrp="1" noRot="1" noChangeAspect="1"/>
+          </p:cNvSpPr>
+          <p:nvPr>
+            <p:ph type="sldImg"/>
+          </p:nvPr>
+        </p:nvSpPr>
+        <p:spPr/>
+      </p:sp>
+      <p:sp>
+        <p:nvSpPr>
+          <p:cNvPr id="3" name="슬라이드 노트 개체 틀 2"/>
+          <p:cNvSpPr>
+            <a:spLocks noGrp="1"/>
+          </p:cNvSpPr>
+          <p:nvPr>
+            <p:ph type="body" idx="1"/>
+          </p:nvPr>
+        </p:nvSpPr>
+        <p:spPr/>
+        <p:txBody>
+          <a:bodyPr/>
+          <a:lstStyle/>
+          <a:p>
+            <a:r>
+              <a:rPr lang="en-US" altLang="ko-KR" dirty="0" err="1"/>
+              <a:t>Github</a:t>
+            </a:r>
+            <a:r>
+              <a:rPr lang="en-US" altLang="ko-KR" dirty="0"/>
+              <a:t> commits </a:t>
+            </a:r>
+            <a:r>
+              <a:rPr lang="ko-KR" altLang="en-US" dirty="0"/>
+              <a:t>통계 페이지 스크린샷입니다</a:t>
+            </a:r>
+            <a:r>
+              <a:rPr lang="en-US" altLang="ko-KR" dirty="0"/>
+              <a:t>.</a:t>
+            </a:r>
+            <a:endParaRPr lang="ko-KR" altLang="en-US" dirty="0"/>
+          </a:p>
+        </p:txBody>
+      </p:sp>
+      <p:sp>
+        <p:nvSpPr>
+          <p:cNvPr id="4" name="슬라이드 번호 개체 틀 3"/>
+          <p:cNvSpPr>
+            <a:spLocks noGrp="1"/>
+          </p:cNvSpPr>
+          <p:nvPr>
+            <p:ph type="sldNum" sz="quarter" idx="5"/>
+          </p:nvPr>
+        </p:nvSpPr>
+        <p:spPr/>
+        <p:txBody>
+          <a:bodyPr/>
+          <a:lstStyle/>
+          <a:p>
+            <a:fld id="{DDC58C9B-D86E-436A-98DE-46AFC64DF73E}" type="slidenum">
+              <a:rPr lang="ko-KR" altLang="en-US" smtClean="0"/>
+              <a:t>3</a:t>
+            </a:fld>
+            <a:endParaRPr lang="ko-KR" altLang="en-US"/>
+          </a:p>
+        </p:txBody>
+      </p:sp>
+    </p:spTree>
+    <p:extLst>
+      <p:ext uri="{BB962C8B-B14F-4D97-AF65-F5344CB8AC3E}">
+        <p14:creationId xmlns:p14="http://schemas.microsoft.com/office/powerpoint/2010/main" val="98248039"/>
       </p:ext>
     </p:extLst>
   </p:cSld>
@@ -4866,14 +4966,6 @@
   <p:clrMapOvr>
     <a:masterClrMapping/>
   </p:clrMapOvr>
-  <mc:AlternateContent xmlns:mc="http://schemas.openxmlformats.org/markup-compatibility/2006" xmlns:p14="http://schemas.microsoft.com/office/powerpoint/2010/main">
-    <mc:Choice Requires="p14">
-      <p:transition spd="slow" p14:dur="2000" advTm="3377"/>
-    </mc:Choice>
-    <mc:Fallback xmlns="">
-      <p:transition spd="slow" advTm="3377"/>
-    </mc:Fallback>
-  </mc:AlternateContent>
 </p:sld>
 </file>
 
@@ -6098,14 +6190,6 @@
   <p:clrMapOvr>
     <a:masterClrMapping/>
   </p:clrMapOvr>
-  <mc:AlternateContent xmlns:mc="http://schemas.openxmlformats.org/markup-compatibility/2006" xmlns:p14="http://schemas.microsoft.com/office/powerpoint/2010/main">
-    <mc:Choice Requires="p14">
-      <p:transition spd="slow" p14:dur="2000" advTm="3377"/>
-    </mc:Choice>
-    <mc:Fallback xmlns="">
-      <p:transition spd="slow" advTm="3377"/>
-    </mc:Fallback>
-  </mc:AlternateContent>
 </p:sld>
 </file>
 
@@ -6128,10 +6212,10 @@
       </p:grpSpPr>
       <p:pic>
         <p:nvPicPr>
-          <p:cNvPr id="3" name="그림 2" descr="텍스트, 스크린샷, 라인, 폰트이(가) 표시된 사진&#10;&#10;자동 생성된 설명">
-            <a:extLst>
-              <a:ext uri="{FF2B5EF4-FFF2-40B4-BE49-F238E27FC236}">
-                <a16:creationId xmlns:a16="http://schemas.microsoft.com/office/drawing/2014/main" id="{00129224-616D-5A79-33EF-2383CB5B3E65}"/>
+          <p:cNvPr id="5" name="그림 4">
+            <a:extLst>
+              <a:ext uri="{FF2B5EF4-FFF2-40B4-BE49-F238E27FC236}">
+                <a16:creationId xmlns:a16="http://schemas.microsoft.com/office/drawing/2014/main" id="{5E0CD775-84E0-D190-D404-B4509ADCBAF9}"/>
               </a:ext>
             </a:extLst>
           </p:cNvPr>
@@ -6141,27 +6225,78 @@
           <p:nvPr/>
         </p:nvPicPr>
         <p:blipFill>
-          <a:blip r:embed="rId2">
-            <a:extLst>
-              <a:ext uri="{28A0092B-C50C-407E-A947-70E740481C1C}">
-                <a14:useLocalDpi xmlns:a14="http://schemas.microsoft.com/office/drawing/2010/main" val="0"/>
-              </a:ext>
-            </a:extLst>
-          </a:blip>
+          <a:blip r:embed="rId3"/>
           <a:stretch>
             <a:fillRect/>
           </a:stretch>
         </p:blipFill>
         <p:spPr>
           <a:xfrm>
-            <a:off x="1545020" y="756744"/>
-            <a:ext cx="5480750" cy="4335518"/>
+            <a:off x="3523221" y="482205"/>
+            <a:ext cx="5678585" cy="5755846"/>
           </a:xfrm>
           <a:prstGeom prst="rect">
             <a:avLst/>
           </a:prstGeom>
         </p:spPr>
       </p:pic>
+      <p:sp>
+        <p:nvSpPr>
+          <p:cNvPr id="6" name="제목 1">
+            <a:extLst>
+              <a:ext uri="{FF2B5EF4-FFF2-40B4-BE49-F238E27FC236}">
+                <a16:creationId xmlns:a16="http://schemas.microsoft.com/office/drawing/2014/main" id="{5EB995F4-2415-DED4-A499-103A61161DC8}"/>
+              </a:ext>
+            </a:extLst>
+          </p:cNvPr>
+          <p:cNvSpPr txBox="1">
+            <a:spLocks/>
+          </p:cNvSpPr>
+          <p:nvPr/>
+        </p:nvSpPr>
+        <p:spPr>
+          <a:xfrm>
+            <a:off x="576818" y="482205"/>
+            <a:ext cx="4049486" cy="1325563"/>
+          </a:xfrm>
+          <a:prstGeom prst="rect">
+            <a:avLst/>
+          </a:prstGeom>
+        </p:spPr>
+        <p:txBody>
+          <a:bodyPr vert="horz" lIns="91440" tIns="45720" rIns="91440" bIns="45720" rtlCol="0" anchor="ctr">
+            <a:normAutofit/>
+          </a:bodyPr>
+          <a:lstStyle>
+            <a:lvl1pPr algn="l" defTabSz="914400" rtl="0" eaLnBrk="1" latinLnBrk="1" hangingPunct="1">
+              <a:lnSpc>
+                <a:spcPct val="90000"/>
+              </a:lnSpc>
+              <a:spcBef>
+                <a:spcPct val="0"/>
+              </a:spcBef>
+              <a:buNone/>
+              <a:defRPr sz="4400" kern="1200">
+                <a:solidFill>
+                  <a:schemeClr val="tx1"/>
+                </a:solidFill>
+                <a:latin typeface="+mj-lt"/>
+                <a:ea typeface="+mj-ea"/>
+                <a:cs typeface="+mj-cs"/>
+              </a:defRPr>
+            </a:lvl1pPr>
+          </a:lstStyle>
+          <a:p>
+            <a:endParaRPr lang="ko-KR" altLang="en-US" dirty="0">
+              <a:ln>
+                <a:solidFill>
+                  <a:schemeClr val="bg1"/>
+                </a:solidFill>
+              </a:ln>
+            </a:endParaRPr>
+          </a:p>
+        </p:txBody>
+      </p:sp>
     </p:spTree>
     <p:extLst>
       <p:ext uri="{BB962C8B-B14F-4D97-AF65-F5344CB8AC3E}">
